--- a/周报母版.pptx
+++ b/周报母版.pptx
@@ -637,7 +637,11 @@
         </p:spPr>
         <p:txBody>
           <a:bodyPr/>
-          <a:lstStyle/>
+          <a:lstStyle>
+            <a:lvl1pPr>
+              <a:defRPr sz="1200"/>
+            </a:lvl1pPr>
+          </a:lstStyle>
           <a:p>
             <a:r>
               <a:rPr lang="zh-CN" altLang="en-US" dirty="0" smtClean="0"/>
@@ -713,7 +717,11 @@
         </p:spPr>
         <p:txBody>
           <a:bodyPr/>
-          <a:lstStyle/>
+          <a:lstStyle>
+            <a:lvl1pPr>
+              <a:defRPr sz="1200"/>
+            </a:lvl1pPr>
+          </a:lstStyle>
           <a:p>
             <a:r>
               <a:rPr lang="zh-CN" altLang="en-US" dirty="0" smtClean="0"/>
@@ -999,8 +1007,8 @@
         </p:nvSpPr>
         <p:spPr>
           <a:xfrm>
-            <a:off x="265857" y="1631287"/>
-            <a:ext cx="5792050" cy="4549775"/>
+            <a:off x="704011" y="1631287"/>
+            <a:ext cx="4915743" cy="4549775"/>
           </a:xfrm>
           <a:prstGeom prst="rect">
             <a:avLst/>
@@ -1008,7 +1016,11 @@
         </p:spPr>
         <p:txBody>
           <a:bodyPr/>
-          <a:lstStyle/>
+          <a:lstStyle>
+            <a:lvl1pPr>
+              <a:defRPr sz="1200"/>
+            </a:lvl1pPr>
+          </a:lstStyle>
           <a:p>
             <a:r>
               <a:rPr lang="zh-CN" altLang="en-US" dirty="0" smtClean="0"/>
@@ -1030,8 +1042,8 @@
         </p:nvSpPr>
         <p:spPr>
           <a:xfrm>
-            <a:off x="6126163" y="1631287"/>
-            <a:ext cx="5798451" cy="4549775"/>
+            <a:off x="6559194" y="1631287"/>
+            <a:ext cx="4921176" cy="4549775"/>
           </a:xfrm>
           <a:prstGeom prst="rect">
             <a:avLst/>
@@ -1039,7 +1051,11 @@
         </p:spPr>
         <p:txBody>
           <a:bodyPr/>
-          <a:lstStyle/>
+          <a:lstStyle>
+            <a:lvl1pPr>
+              <a:defRPr sz="1200"/>
+            </a:lvl1pPr>
+          </a:lstStyle>
           <a:p>
             <a:r>
               <a:rPr lang="zh-CN" altLang="en-US" dirty="0" smtClean="0"/>
